--- a/doc/Architecture.pptx
+++ b/doc/Architecture.pptx
@@ -7,7 +7,7 @@
   <p:sldIdLst>
     <p:sldId id="256" r:id="rId2"/>
   </p:sldIdLst>
-  <p:sldSz cx="5943600" cy="8229600"/>
+  <p:sldSz cx="5943600" cy="6858000"/>
   <p:notesSz cx="6858000" cy="9144000"/>
   <p:defaultTextStyle>
     <a:defPPr>
@@ -136,8 +136,8 @@
         </p:nvSpPr>
         <p:spPr>
           <a:xfrm>
-            <a:off x="445770" y="2556511"/>
-            <a:ext cx="5052060" cy="1764030"/>
+            <a:off x="445770" y="2130427"/>
+            <a:ext cx="5052060" cy="1470025"/>
           </a:xfrm>
         </p:spPr>
         <p:txBody>
@@ -164,8 +164,8 @@
         </p:nvSpPr>
         <p:spPr>
           <a:xfrm>
-            <a:off x="891540" y="4663440"/>
-            <a:ext cx="4160520" cy="2103120"/>
+            <a:off x="891540" y="3886200"/>
+            <a:ext cx="4160520" cy="1752600"/>
           </a:xfrm>
         </p:spPr>
         <p:txBody>
@@ -288,7 +288,7 @@
           <a:p>
             <a:fld id="{77F8369C-F31D-4A89-BED0-E840FF6F2FB1}" type="datetimeFigureOut">
               <a:rPr lang="en-US" smtClean="0"/>
-              <a:t>11/17/2010</a:t>
+              <a:t>11/18/2010</a:t>
             </a:fld>
             <a:endParaRPr lang="en-US"/>
           </a:p>
@@ -453,7 +453,7 @@
           <a:p>
             <a:fld id="{77F8369C-F31D-4A89-BED0-E840FF6F2FB1}" type="datetimeFigureOut">
               <a:rPr lang="en-US" smtClean="0"/>
-              <a:t>11/17/2010</a:t>
+              <a:t>11/18/2010</a:t>
             </a:fld>
             <a:endParaRPr lang="en-US"/>
           </a:p>
@@ -538,8 +538,8 @@
         </p:nvSpPr>
         <p:spPr>
           <a:xfrm>
-            <a:off x="4309110" y="329566"/>
-            <a:ext cx="1337310" cy="7021830"/>
+            <a:off x="4309110" y="274639"/>
+            <a:ext cx="1337310" cy="5851525"/>
           </a:xfrm>
         </p:spPr>
         <p:txBody>
@@ -566,8 +566,8 @@
         </p:nvSpPr>
         <p:spPr>
           <a:xfrm>
-            <a:off x="297180" y="329566"/>
-            <a:ext cx="3912870" cy="7021830"/>
+            <a:off x="297180" y="274639"/>
+            <a:ext cx="3912870" cy="5851525"/>
           </a:xfrm>
         </p:spPr>
         <p:txBody>
@@ -628,7 +628,7 @@
           <a:p>
             <a:fld id="{77F8369C-F31D-4A89-BED0-E840FF6F2FB1}" type="datetimeFigureOut">
               <a:rPr lang="en-US" smtClean="0"/>
-              <a:t>11/17/2010</a:t>
+              <a:t>11/18/2010</a:t>
             </a:fld>
             <a:endParaRPr lang="en-US"/>
           </a:p>
@@ -793,7 +793,7 @@
           <a:p>
             <a:fld id="{77F8369C-F31D-4A89-BED0-E840FF6F2FB1}" type="datetimeFigureOut">
               <a:rPr lang="en-US" smtClean="0"/>
-              <a:t>11/17/2010</a:t>
+              <a:t>11/18/2010</a:t>
             </a:fld>
             <a:endParaRPr lang="en-US"/>
           </a:p>
@@ -878,8 +878,8 @@
         </p:nvSpPr>
         <p:spPr>
           <a:xfrm>
-            <a:off x="469503" y="5288281"/>
-            <a:ext cx="5052060" cy="1634490"/>
+            <a:off x="469503" y="4406900"/>
+            <a:ext cx="5052060" cy="1362075"/>
           </a:xfrm>
         </p:spPr>
         <p:txBody>
@@ -910,8 +910,8 @@
         </p:nvSpPr>
         <p:spPr>
           <a:xfrm>
-            <a:off x="469503" y="3488056"/>
-            <a:ext cx="5052060" cy="1800224"/>
+            <a:off x="469503" y="2906714"/>
+            <a:ext cx="5052060" cy="1500187"/>
           </a:xfrm>
         </p:spPr>
         <p:txBody>
@@ -1034,7 +1034,7 @@
           <a:p>
             <a:fld id="{77F8369C-F31D-4A89-BED0-E840FF6F2FB1}" type="datetimeFigureOut">
               <a:rPr lang="en-US" smtClean="0"/>
-              <a:t>11/17/2010</a:t>
+              <a:t>11/18/2010</a:t>
             </a:fld>
             <a:endParaRPr lang="en-US"/>
           </a:p>
@@ -1142,8 +1142,8 @@
         </p:nvSpPr>
         <p:spPr>
           <a:xfrm>
-            <a:off x="297180" y="1920240"/>
-            <a:ext cx="2625090" cy="5431156"/>
+            <a:off x="297180" y="1600200"/>
+            <a:ext cx="2625090" cy="4525963"/>
           </a:xfrm>
         </p:spPr>
         <p:txBody>
@@ -1227,8 +1227,8 @@
         </p:nvSpPr>
         <p:spPr>
           <a:xfrm>
-            <a:off x="3021330" y="1920240"/>
-            <a:ext cx="2625090" cy="5431156"/>
+            <a:off x="3021330" y="1600200"/>
+            <a:ext cx="2625090" cy="4525963"/>
           </a:xfrm>
         </p:spPr>
         <p:txBody>
@@ -1317,7 +1317,7 @@
           <a:p>
             <a:fld id="{77F8369C-F31D-4A89-BED0-E840FF6F2FB1}" type="datetimeFigureOut">
               <a:rPr lang="en-US" smtClean="0"/>
-              <a:t>11/17/2010</a:t>
+              <a:t>11/18/2010</a:t>
             </a:fld>
             <a:endParaRPr lang="en-US"/>
           </a:p>
@@ -1429,8 +1429,8 @@
         </p:nvSpPr>
         <p:spPr>
           <a:xfrm>
-            <a:off x="297180" y="1842136"/>
-            <a:ext cx="2626122" cy="767714"/>
+            <a:off x="297180" y="1535113"/>
+            <a:ext cx="2626122" cy="639761"/>
           </a:xfrm>
         </p:spPr>
         <p:txBody>
@@ -1494,8 +1494,8 @@
         </p:nvSpPr>
         <p:spPr>
           <a:xfrm>
-            <a:off x="297180" y="2609850"/>
-            <a:ext cx="2626122" cy="4741546"/>
+            <a:off x="297180" y="2174875"/>
+            <a:ext cx="2626122" cy="3951289"/>
           </a:xfrm>
         </p:spPr>
         <p:txBody>
@@ -1579,8 +1579,8 @@
         </p:nvSpPr>
         <p:spPr>
           <a:xfrm>
-            <a:off x="3019266" y="1842136"/>
-            <a:ext cx="2627154" cy="767714"/>
+            <a:off x="3019266" y="1535113"/>
+            <a:ext cx="2627154" cy="639761"/>
           </a:xfrm>
         </p:spPr>
         <p:txBody>
@@ -1644,8 +1644,8 @@
         </p:nvSpPr>
         <p:spPr>
           <a:xfrm>
-            <a:off x="3019266" y="2609850"/>
-            <a:ext cx="2627154" cy="4741546"/>
+            <a:off x="3019266" y="2174875"/>
+            <a:ext cx="2627154" cy="3951289"/>
           </a:xfrm>
         </p:spPr>
         <p:txBody>
@@ -1734,7 +1734,7 @@
           <a:p>
             <a:fld id="{77F8369C-F31D-4A89-BED0-E840FF6F2FB1}" type="datetimeFigureOut">
               <a:rPr lang="en-US" smtClean="0"/>
-              <a:t>11/17/2010</a:t>
+              <a:t>11/18/2010</a:t>
             </a:fld>
             <a:endParaRPr lang="en-US"/>
           </a:p>
@@ -1847,7 +1847,7 @@
           <a:p>
             <a:fld id="{77F8369C-F31D-4A89-BED0-E840FF6F2FB1}" type="datetimeFigureOut">
               <a:rPr lang="en-US" smtClean="0"/>
-              <a:t>11/17/2010</a:t>
+              <a:t>11/18/2010</a:t>
             </a:fld>
             <a:endParaRPr lang="en-US"/>
           </a:p>
@@ -1937,7 +1937,7 @@
           <a:p>
             <a:fld id="{77F8369C-F31D-4A89-BED0-E840FF6F2FB1}" type="datetimeFigureOut">
               <a:rPr lang="en-US" smtClean="0"/>
-              <a:t>11/17/2010</a:t>
+              <a:t>11/18/2010</a:t>
             </a:fld>
             <a:endParaRPr lang="en-US"/>
           </a:p>
@@ -2022,8 +2022,8 @@
         </p:nvSpPr>
         <p:spPr>
           <a:xfrm>
-            <a:off x="297181" y="327660"/>
-            <a:ext cx="1955403" cy="1394460"/>
+            <a:off x="297186" y="273050"/>
+            <a:ext cx="1955403" cy="1162050"/>
           </a:xfrm>
         </p:spPr>
         <p:txBody>
@@ -2054,8 +2054,8 @@
         </p:nvSpPr>
         <p:spPr>
           <a:xfrm>
-            <a:off x="2323782" y="327660"/>
-            <a:ext cx="3322638" cy="7023736"/>
+            <a:off x="2323782" y="273051"/>
+            <a:ext cx="3322638" cy="5853113"/>
           </a:xfrm>
         </p:spPr>
         <p:txBody>
@@ -2139,8 +2139,8 @@
         </p:nvSpPr>
         <p:spPr>
           <a:xfrm>
-            <a:off x="297181" y="1722120"/>
-            <a:ext cx="1955403" cy="5629276"/>
+            <a:off x="297186" y="1435101"/>
+            <a:ext cx="1955403" cy="4691063"/>
           </a:xfrm>
         </p:spPr>
         <p:txBody>
@@ -2209,7 +2209,7 @@
           <a:p>
             <a:fld id="{77F8369C-F31D-4A89-BED0-E840FF6F2FB1}" type="datetimeFigureOut">
               <a:rPr lang="en-US" smtClean="0"/>
-              <a:t>11/17/2010</a:t>
+              <a:t>11/18/2010</a:t>
             </a:fld>
             <a:endParaRPr lang="en-US"/>
           </a:p>
@@ -2294,8 +2294,8 @@
         </p:nvSpPr>
         <p:spPr>
           <a:xfrm>
-            <a:off x="1164987" y="5760720"/>
-            <a:ext cx="3566160" cy="680086"/>
+            <a:off x="1164987" y="4800602"/>
+            <a:ext cx="3566160" cy="566739"/>
           </a:xfrm>
         </p:spPr>
         <p:txBody>
@@ -2326,8 +2326,8 @@
         </p:nvSpPr>
         <p:spPr>
           <a:xfrm>
-            <a:off x="1164987" y="735330"/>
-            <a:ext cx="3566160" cy="4937760"/>
+            <a:off x="1164987" y="612775"/>
+            <a:ext cx="3566160" cy="4114800"/>
           </a:xfrm>
         </p:spPr>
         <p:txBody>
@@ -2387,8 +2387,8 @@
         </p:nvSpPr>
         <p:spPr>
           <a:xfrm>
-            <a:off x="1164987" y="6440806"/>
-            <a:ext cx="3566160" cy="965834"/>
+            <a:off x="1164987" y="5367340"/>
+            <a:ext cx="3566160" cy="804862"/>
           </a:xfrm>
         </p:spPr>
         <p:txBody>
@@ -2457,7 +2457,7 @@
           <a:p>
             <a:fld id="{77F8369C-F31D-4A89-BED0-E840FF6F2FB1}" type="datetimeFigureOut">
               <a:rPr lang="en-US" smtClean="0"/>
-              <a:t>11/17/2010</a:t>
+              <a:t>11/18/2010</a:t>
             </a:fld>
             <a:endParaRPr lang="en-US"/>
           </a:p>
@@ -2547,8 +2547,8 @@
         </p:nvSpPr>
         <p:spPr>
           <a:xfrm>
-            <a:off x="297180" y="329566"/>
-            <a:ext cx="5349240" cy="1371600"/>
+            <a:off x="297180" y="274639"/>
+            <a:ext cx="5349240" cy="1143000"/>
           </a:xfrm>
           <a:prstGeom prst="rect">
             <a:avLst/>
@@ -2580,8 +2580,8 @@
         </p:nvSpPr>
         <p:spPr>
           <a:xfrm>
-            <a:off x="297180" y="1920240"/>
-            <a:ext cx="5349240" cy="5431156"/>
+            <a:off x="297180" y="1600200"/>
+            <a:ext cx="5349240" cy="4525963"/>
           </a:xfrm>
           <a:prstGeom prst="rect">
             <a:avLst/>
@@ -2642,8 +2642,8 @@
         </p:nvSpPr>
         <p:spPr>
           <a:xfrm>
-            <a:off x="297180" y="7627621"/>
-            <a:ext cx="1386840" cy="438150"/>
+            <a:off x="297180" y="6356351"/>
+            <a:ext cx="1386840" cy="365125"/>
           </a:xfrm>
           <a:prstGeom prst="rect">
             <a:avLst/>
@@ -2665,7 +2665,7 @@
           <a:p>
             <a:fld id="{77F8369C-F31D-4A89-BED0-E840FF6F2FB1}" type="datetimeFigureOut">
               <a:rPr lang="en-US" smtClean="0"/>
-              <a:t>11/17/2010</a:t>
+              <a:t>11/18/2010</a:t>
             </a:fld>
             <a:endParaRPr lang="en-US"/>
           </a:p>
@@ -2683,8 +2683,8 @@
         </p:nvSpPr>
         <p:spPr>
           <a:xfrm>
-            <a:off x="2030730" y="7627621"/>
-            <a:ext cx="1882140" cy="438150"/>
+            <a:off x="2030730" y="6356351"/>
+            <a:ext cx="1882140" cy="365125"/>
           </a:xfrm>
           <a:prstGeom prst="rect">
             <a:avLst/>
@@ -2720,8 +2720,8 @@
         </p:nvSpPr>
         <p:spPr>
           <a:xfrm>
-            <a:off x="4259580" y="7627621"/>
-            <a:ext cx="1386840" cy="438150"/>
+            <a:off x="4259580" y="6356351"/>
+            <a:ext cx="1386840" cy="365125"/>
           </a:xfrm>
           <a:prstGeom prst="rect">
             <a:avLst/>
@@ -3037,14 +3037,14 @@
       </p:grpSpPr>
       <p:sp>
         <p:nvSpPr>
-          <p:cNvPr id="22" name="Rectangle 21"/>
+          <p:cNvPr id="112" name="Rectangle 111"/>
           <p:cNvSpPr/>
           <p:nvPr/>
         </p:nvSpPr>
         <p:spPr>
           <a:xfrm>
-            <a:off x="381000" y="2895600"/>
-            <a:ext cx="5257800" cy="3200400"/>
+            <a:off x="533400" y="2545081"/>
+            <a:ext cx="5257800" cy="2590800"/>
           </a:xfrm>
           <a:prstGeom prst="rect">
             <a:avLst/>
@@ -3069,20 +3069,20 @@
           <a:lstStyle/>
           <a:p>
             <a:pPr algn="ctr"/>
-            <a:endParaRPr lang="en-US"/>
-          </a:p>
-        </p:txBody>
-      </p:sp>
-      <p:sp>
-        <p:nvSpPr>
-          <p:cNvPr id="12" name="Rounded Rectangle 11"/>
+            <a:endParaRPr lang="en-US" sz="1400"/>
+          </a:p>
+        </p:txBody>
+      </p:sp>
+      <p:sp>
+        <p:nvSpPr>
+          <p:cNvPr id="113" name="Rounded Rectangle 112"/>
           <p:cNvSpPr/>
           <p:nvPr/>
         </p:nvSpPr>
         <p:spPr>
           <a:xfrm>
-            <a:off x="1800225" y="228600"/>
-            <a:ext cx="2362200" cy="381000"/>
+            <a:off x="1952625" y="135703"/>
+            <a:ext cx="2286000" cy="274320"/>
           </a:xfrm>
           <a:prstGeom prst="roundRect">
             <a:avLst/>
@@ -3108,23 +3108,23 @@
           <a:p>
             <a:pPr algn="ctr"/>
             <a:r>
-              <a:rPr lang="en-US" sz="1600" dirty="0" smtClean="0"/>
+              <a:rPr lang="en-US" sz="1400" dirty="0" smtClean="0"/>
               <a:t>Interface: Input Query</a:t>
             </a:r>
-            <a:endParaRPr lang="en-US" sz="1600" dirty="0"/>
-          </a:p>
-        </p:txBody>
-      </p:sp>
-      <p:sp>
-        <p:nvSpPr>
-          <p:cNvPr id="13" name="Rounded Rectangle 12"/>
+            <a:endParaRPr lang="en-US" sz="1400" dirty="0"/>
+          </a:p>
+        </p:txBody>
+      </p:sp>
+      <p:sp>
+        <p:nvSpPr>
+          <p:cNvPr id="114" name="Rounded Rectangle 113"/>
           <p:cNvSpPr/>
           <p:nvPr/>
         </p:nvSpPr>
         <p:spPr>
           <a:xfrm>
-            <a:off x="1790700" y="7543800"/>
-            <a:ext cx="2362200" cy="381000"/>
+            <a:off x="1943100" y="6431280"/>
+            <a:ext cx="2286000" cy="274320"/>
           </a:xfrm>
           <a:prstGeom prst="roundRect">
             <a:avLst/>
@@ -3150,23 +3150,23 @@
           <a:p>
             <a:pPr algn="ctr"/>
             <a:r>
-              <a:rPr lang="en-US" sz="1600" dirty="0" smtClean="0"/>
+              <a:rPr lang="en-US" sz="1400" dirty="0" smtClean="0"/>
               <a:t>Interface: Result Output</a:t>
             </a:r>
-            <a:endParaRPr lang="en-US" sz="1600" dirty="0"/>
-          </a:p>
-        </p:txBody>
-      </p:sp>
-      <p:sp>
-        <p:nvSpPr>
-          <p:cNvPr id="14" name="Rounded Rectangle 13"/>
+            <a:endParaRPr lang="en-US" sz="1400" dirty="0"/>
+          </a:p>
+        </p:txBody>
+      </p:sp>
+      <p:sp>
+        <p:nvSpPr>
+          <p:cNvPr id="115" name="Rounded Rectangle 114"/>
           <p:cNvSpPr/>
           <p:nvPr/>
         </p:nvSpPr>
         <p:spPr>
           <a:xfrm>
-            <a:off x="1800225" y="1066800"/>
-            <a:ext cx="2362200" cy="381000"/>
+            <a:off x="1952625" y="953149"/>
+            <a:ext cx="2286000" cy="274320"/>
           </a:xfrm>
           <a:prstGeom prst="roundRect">
             <a:avLst/>
@@ -3192,23 +3192,23 @@
           <a:p>
             <a:pPr algn="ctr"/>
             <a:r>
-              <a:rPr lang="en-US" sz="1600" dirty="0" smtClean="0"/>
+              <a:rPr lang="en-US" sz="1400" dirty="0" smtClean="0"/>
               <a:t>Query Parser</a:t>
             </a:r>
-            <a:endParaRPr lang="en-US" sz="1600" dirty="0"/>
-          </a:p>
-        </p:txBody>
-      </p:sp>
-      <p:sp>
-        <p:nvSpPr>
-          <p:cNvPr id="15" name="Rounded Rectangle 14"/>
+            <a:endParaRPr lang="en-US" sz="1400" dirty="0"/>
+          </a:p>
+        </p:txBody>
+      </p:sp>
+      <p:sp>
+        <p:nvSpPr>
+          <p:cNvPr id="116" name="Rounded Rectangle 115"/>
           <p:cNvSpPr/>
           <p:nvPr/>
         </p:nvSpPr>
         <p:spPr>
           <a:xfrm>
-            <a:off x="1800225" y="1905000"/>
-            <a:ext cx="2362200" cy="381000"/>
+            <a:off x="1952625" y="1770595"/>
+            <a:ext cx="2286000" cy="274320"/>
           </a:xfrm>
           <a:prstGeom prst="roundRect">
             <a:avLst/>
@@ -3234,23 +3234,23 @@
           <a:p>
             <a:pPr algn="ctr"/>
             <a:r>
-              <a:rPr lang="en-US" sz="1600" dirty="0" smtClean="0"/>
+              <a:rPr lang="en-US" sz="1400" dirty="0" smtClean="0"/>
               <a:t>Distributor</a:t>
             </a:r>
-            <a:endParaRPr lang="en-US" sz="1600" dirty="0"/>
-          </a:p>
-        </p:txBody>
-      </p:sp>
-      <p:sp>
-        <p:nvSpPr>
-          <p:cNvPr id="16" name="Rounded Rectangle 15"/>
+            <a:endParaRPr lang="en-US" sz="1400" dirty="0"/>
+          </a:p>
+        </p:txBody>
+      </p:sp>
+      <p:sp>
+        <p:nvSpPr>
+          <p:cNvPr id="117" name="Rounded Rectangle 116"/>
           <p:cNvSpPr/>
           <p:nvPr/>
         </p:nvSpPr>
         <p:spPr>
           <a:xfrm>
-            <a:off x="1790700" y="6705600"/>
-            <a:ext cx="2362200" cy="381000"/>
+            <a:off x="1943100" y="5679440"/>
+            <a:ext cx="2286000" cy="274320"/>
           </a:xfrm>
           <a:prstGeom prst="roundRect">
             <a:avLst/>
@@ -3276,23 +3276,23 @@
           <a:p>
             <a:pPr algn="ctr"/>
             <a:r>
-              <a:rPr lang="en-US" sz="1600" dirty="0" smtClean="0"/>
+              <a:rPr lang="en-US" sz="1400" dirty="0" smtClean="0"/>
               <a:t>Combiner</a:t>
             </a:r>
-            <a:endParaRPr lang="en-US" sz="1600" dirty="0"/>
-          </a:p>
-        </p:txBody>
-      </p:sp>
-      <p:sp>
-        <p:nvSpPr>
-          <p:cNvPr id="17" name="Rounded Rectangle 16"/>
+            <a:endParaRPr lang="en-US" sz="1400" dirty="0"/>
+          </a:p>
+        </p:txBody>
+      </p:sp>
+      <p:sp>
+        <p:nvSpPr>
+          <p:cNvPr id="118" name="Rounded Rectangle 117"/>
           <p:cNvSpPr/>
           <p:nvPr/>
         </p:nvSpPr>
         <p:spPr>
           <a:xfrm>
-            <a:off x="1790700" y="5257800"/>
-            <a:ext cx="2362200" cy="381000"/>
+            <a:off x="1943100" y="4760922"/>
+            <a:ext cx="2286000" cy="274320"/>
           </a:xfrm>
           <a:prstGeom prst="roundRect">
             <a:avLst/>
@@ -3318,22 +3318,22 @@
           <a:p>
             <a:pPr algn="ctr"/>
             <a:r>
-              <a:rPr lang="en-US" sz="1600" dirty="0" smtClean="0"/>
+              <a:rPr lang="en-US" sz="1400" dirty="0" smtClean="0"/>
               <a:t>Retrieval Model</a:t>
             </a:r>
-            <a:endParaRPr lang="en-US" sz="1600" dirty="0"/>
-          </a:p>
-        </p:txBody>
-      </p:sp>
-      <p:sp>
-        <p:nvSpPr>
-          <p:cNvPr id="19" name="Flowchart: Magnetic Disk 18"/>
+            <a:endParaRPr lang="en-US" sz="1400" dirty="0"/>
+          </a:p>
+        </p:txBody>
+      </p:sp>
+      <p:sp>
+        <p:nvSpPr>
+          <p:cNvPr id="119" name="Flowchart: Magnetic Disk 118"/>
           <p:cNvSpPr/>
           <p:nvPr/>
         </p:nvSpPr>
         <p:spPr>
           <a:xfrm>
-            <a:off x="3962400" y="3124200"/>
+            <a:off x="4114800" y="2627322"/>
             <a:ext cx="1447800" cy="762000"/>
           </a:xfrm>
           <a:prstGeom prst="flowChartMagneticDisk">
@@ -3376,14 +3376,14 @@
       </p:sp>
       <p:sp>
         <p:nvSpPr>
-          <p:cNvPr id="20" name="Rounded Rectangle 19"/>
+          <p:cNvPr id="120" name="Rounded Rectangle 119"/>
           <p:cNvSpPr/>
           <p:nvPr/>
         </p:nvSpPr>
         <p:spPr>
           <a:xfrm>
-            <a:off x="3581400" y="4419600"/>
-            <a:ext cx="1828800" cy="381000"/>
+            <a:off x="3810000" y="3922721"/>
+            <a:ext cx="1828800" cy="274320"/>
           </a:xfrm>
           <a:prstGeom prst="roundRect">
             <a:avLst/>
@@ -3409,22 +3409,22 @@
           <a:p>
             <a:pPr algn="ctr"/>
             <a:r>
-              <a:rPr lang="en-US" sz="1600" dirty="0" smtClean="0"/>
+              <a:rPr lang="en-US" sz="1400" dirty="0" smtClean="0"/>
               <a:t>Huffman Decode</a:t>
             </a:r>
-            <a:endParaRPr lang="en-US" sz="1600" dirty="0"/>
-          </a:p>
-        </p:txBody>
-      </p:sp>
-      <p:sp>
-        <p:nvSpPr>
-          <p:cNvPr id="21" name="Flowchart: Magnetic Disk 20"/>
+            <a:endParaRPr lang="en-US" sz="1400" dirty="0"/>
+          </a:p>
+        </p:txBody>
+      </p:sp>
+      <p:sp>
+        <p:nvSpPr>
+          <p:cNvPr id="121" name="Flowchart: Magnetic Disk 120"/>
           <p:cNvSpPr/>
           <p:nvPr/>
         </p:nvSpPr>
         <p:spPr>
           <a:xfrm>
-            <a:off x="533400" y="4114800"/>
+            <a:off x="685800" y="3717897"/>
             <a:ext cx="1219200" cy="533400"/>
           </a:xfrm>
           <a:prstGeom prst="flowChartMagneticDisk">
@@ -3451,22 +3451,22 @@
           <a:p>
             <a:pPr algn="ctr"/>
             <a:r>
-              <a:rPr lang="en-US" dirty="0" err="1" smtClean="0"/>
+              <a:rPr lang="en-US" sz="1400" dirty="0" err="1" smtClean="0"/>
               <a:t>PageRank</a:t>
             </a:r>
-            <a:endParaRPr lang="en-US" dirty="0"/>
-          </a:p>
-        </p:txBody>
-      </p:sp>
-      <p:sp>
-        <p:nvSpPr>
-          <p:cNvPr id="23" name="Down Arrow 22"/>
+            <a:endParaRPr lang="en-US" sz="1400" dirty="0"/>
+          </a:p>
+        </p:txBody>
+      </p:sp>
+      <p:sp>
+        <p:nvSpPr>
+          <p:cNvPr id="122" name="Down Arrow 121"/>
           <p:cNvSpPr/>
           <p:nvPr/>
         </p:nvSpPr>
         <p:spPr>
           <a:xfrm>
-            <a:off x="2790825" y="685800"/>
+            <a:off x="2943225" y="529186"/>
             <a:ext cx="381000" cy="304800"/>
           </a:xfrm>
           <a:prstGeom prst="downArrow">
@@ -3492,19 +3492,19 @@
           <a:lstStyle/>
           <a:p>
             <a:pPr algn="ctr"/>
-            <a:endParaRPr lang="en-US"/>
-          </a:p>
-        </p:txBody>
-      </p:sp>
-      <p:sp>
-        <p:nvSpPr>
-          <p:cNvPr id="24" name="Down Arrow 23"/>
+            <a:endParaRPr lang="en-US" sz="1400"/>
+          </a:p>
+        </p:txBody>
+      </p:sp>
+      <p:sp>
+        <p:nvSpPr>
+          <p:cNvPr id="123" name="Down Arrow 122"/>
           <p:cNvSpPr/>
           <p:nvPr/>
         </p:nvSpPr>
         <p:spPr>
           <a:xfrm>
-            <a:off x="2790825" y="1524000"/>
+            <a:off x="2943225" y="1346632"/>
             <a:ext cx="381000" cy="304800"/>
           </a:xfrm>
           <a:prstGeom prst="downArrow">
@@ -3530,19 +3530,19 @@
           <a:lstStyle/>
           <a:p>
             <a:pPr algn="ctr"/>
-            <a:endParaRPr lang="en-US"/>
+            <a:endParaRPr lang="en-US" sz="1400"/>
           </a:p>
         </p:txBody>
       </p:sp>
       <p:grpSp>
         <p:nvGrpSpPr>
-          <p:cNvPr id="39" name="Group 38"/>
+          <p:cNvPr id="124" name="Group 123"/>
           <p:cNvGrpSpPr/>
           <p:nvPr/>
         </p:nvGrpSpPr>
         <p:grpSpPr>
           <a:xfrm>
-            <a:off x="1800225" y="2514600"/>
+            <a:off x="1952625" y="2164080"/>
             <a:ext cx="2362200" cy="304800"/>
             <a:chOff x="1905000" y="2514600"/>
             <a:chExt cx="2362200" cy="304800"/>
@@ -3550,7 +3550,7 @@
         </p:grpSpPr>
         <p:sp>
           <p:nvSpPr>
-            <p:cNvPr id="25" name="Down Arrow 24"/>
+            <p:cNvPr id="125" name="Down Arrow 124"/>
             <p:cNvSpPr/>
             <p:nvPr/>
           </p:nvSpPr>
@@ -3582,13 +3582,13 @@
             <a:lstStyle/>
             <a:p>
               <a:pPr algn="ctr"/>
-              <a:endParaRPr lang="en-US"/>
+              <a:endParaRPr lang="en-US" sz="1400"/>
             </a:p>
           </p:txBody>
         </p:sp>
         <p:sp>
           <p:nvSpPr>
-            <p:cNvPr id="26" name="Down Arrow 25"/>
+            <p:cNvPr id="126" name="Down Arrow 125"/>
             <p:cNvSpPr/>
             <p:nvPr/>
           </p:nvSpPr>
@@ -3620,13 +3620,13 @@
             <a:lstStyle/>
             <a:p>
               <a:pPr algn="ctr"/>
-              <a:endParaRPr lang="en-US"/>
+              <a:endParaRPr lang="en-US" sz="1400"/>
             </a:p>
           </p:txBody>
         </p:sp>
         <p:sp>
           <p:nvSpPr>
-            <p:cNvPr id="27" name="Down Arrow 26"/>
+            <p:cNvPr id="127" name="Down Arrow 126"/>
             <p:cNvSpPr/>
             <p:nvPr/>
           </p:nvSpPr>
@@ -3658,13 +3658,13 @@
             <a:lstStyle/>
             <a:p>
               <a:pPr algn="ctr"/>
-              <a:endParaRPr lang="en-US"/>
+              <a:endParaRPr lang="en-US" sz="1400"/>
             </a:p>
           </p:txBody>
         </p:sp>
         <p:sp>
           <p:nvSpPr>
-            <p:cNvPr id="28" name="Down Arrow 27"/>
+            <p:cNvPr id="128" name="Down Arrow 127"/>
             <p:cNvSpPr/>
             <p:nvPr/>
           </p:nvSpPr>
@@ -3696,13 +3696,13 @@
             <a:lstStyle/>
             <a:p>
               <a:pPr algn="ctr"/>
-              <a:endParaRPr lang="en-US"/>
+              <a:endParaRPr lang="en-US" sz="1400"/>
             </a:p>
           </p:txBody>
         </p:sp>
         <p:sp>
           <p:nvSpPr>
-            <p:cNvPr id="29" name="Down Arrow 28"/>
+            <p:cNvPr id="129" name="Down Arrow 128"/>
             <p:cNvSpPr/>
             <p:nvPr/>
           </p:nvSpPr>
@@ -3734,20 +3734,20 @@
             <a:lstStyle/>
             <a:p>
               <a:pPr algn="ctr"/>
-              <a:endParaRPr lang="en-US"/>
+              <a:endParaRPr lang="en-US" sz="1400"/>
             </a:p>
           </p:txBody>
         </p:sp>
       </p:grpSp>
       <p:grpSp>
         <p:nvGrpSpPr>
-          <p:cNvPr id="40" name="Group 39"/>
+          <p:cNvPr id="130" name="Group 129"/>
           <p:cNvGrpSpPr/>
           <p:nvPr/>
         </p:nvGrpSpPr>
         <p:grpSpPr>
           <a:xfrm>
-            <a:off x="1790700" y="6248400"/>
+            <a:off x="1943100" y="5288280"/>
             <a:ext cx="2362200" cy="304800"/>
             <a:chOff x="1752600" y="6248400"/>
             <a:chExt cx="2362200" cy="304800"/>
@@ -3755,7 +3755,7 @@
         </p:grpSpPr>
         <p:sp>
           <p:nvSpPr>
-            <p:cNvPr id="30" name="Down Arrow 29"/>
+            <p:cNvPr id="131" name="Down Arrow 130"/>
             <p:cNvSpPr/>
             <p:nvPr/>
           </p:nvSpPr>
@@ -3787,13 +3787,13 @@
             <a:lstStyle/>
             <a:p>
               <a:pPr algn="ctr"/>
-              <a:endParaRPr lang="en-US"/>
+              <a:endParaRPr lang="en-US" sz="1400"/>
             </a:p>
           </p:txBody>
         </p:sp>
         <p:sp>
           <p:nvSpPr>
-            <p:cNvPr id="31" name="Down Arrow 30"/>
+            <p:cNvPr id="132" name="Down Arrow 131"/>
             <p:cNvSpPr/>
             <p:nvPr/>
           </p:nvSpPr>
@@ -3825,13 +3825,13 @@
             <a:lstStyle/>
             <a:p>
               <a:pPr algn="ctr"/>
-              <a:endParaRPr lang="en-US"/>
+              <a:endParaRPr lang="en-US" sz="1400"/>
             </a:p>
           </p:txBody>
         </p:sp>
         <p:sp>
           <p:nvSpPr>
-            <p:cNvPr id="32" name="Down Arrow 31"/>
+            <p:cNvPr id="133" name="Down Arrow 132"/>
             <p:cNvSpPr/>
             <p:nvPr/>
           </p:nvSpPr>
@@ -3863,13 +3863,13 @@
             <a:lstStyle/>
             <a:p>
               <a:pPr algn="ctr"/>
-              <a:endParaRPr lang="en-US"/>
+              <a:endParaRPr lang="en-US" sz="1400"/>
             </a:p>
           </p:txBody>
         </p:sp>
         <p:sp>
           <p:nvSpPr>
-            <p:cNvPr id="33" name="Down Arrow 32"/>
+            <p:cNvPr id="134" name="Down Arrow 133"/>
             <p:cNvSpPr/>
             <p:nvPr/>
           </p:nvSpPr>
@@ -3901,13 +3901,13 @@
             <a:lstStyle/>
             <a:p>
               <a:pPr algn="ctr"/>
-              <a:endParaRPr lang="en-US"/>
+              <a:endParaRPr lang="en-US" sz="1400"/>
             </a:p>
           </p:txBody>
         </p:sp>
         <p:sp>
           <p:nvSpPr>
-            <p:cNvPr id="34" name="Down Arrow 33"/>
+            <p:cNvPr id="135" name="Down Arrow 134"/>
             <p:cNvSpPr/>
             <p:nvPr/>
           </p:nvSpPr>
@@ -3939,20 +3939,20 @@
             <a:lstStyle/>
             <a:p>
               <a:pPr algn="ctr"/>
-              <a:endParaRPr lang="en-US"/>
+              <a:endParaRPr lang="en-US" sz="1400"/>
             </a:p>
           </p:txBody>
         </p:sp>
       </p:grpSp>
       <p:sp>
         <p:nvSpPr>
-          <p:cNvPr id="35" name="Down Arrow 34"/>
+          <p:cNvPr id="136" name="Down Arrow 135"/>
           <p:cNvSpPr/>
           <p:nvPr/>
         </p:nvSpPr>
         <p:spPr>
           <a:xfrm>
-            <a:off x="2781300" y="7162800"/>
+            <a:off x="2933700" y="6040120"/>
             <a:ext cx="381000" cy="304800"/>
           </a:xfrm>
           <a:prstGeom prst="downArrow">
@@ -3978,19 +3978,19 @@
           <a:lstStyle/>
           <a:p>
             <a:pPr algn="ctr"/>
-            <a:endParaRPr lang="en-US"/>
-          </a:p>
-        </p:txBody>
-      </p:sp>
-      <p:sp>
-        <p:nvSpPr>
-          <p:cNvPr id="36" name="Down Arrow 35"/>
+            <a:endParaRPr lang="en-US" sz="1400"/>
+          </a:p>
+        </p:txBody>
+      </p:sp>
+      <p:sp>
+        <p:nvSpPr>
+          <p:cNvPr id="137" name="Down Arrow 136"/>
           <p:cNvSpPr/>
           <p:nvPr/>
         </p:nvSpPr>
         <p:spPr>
           <a:xfrm rot="19231485">
-            <a:off x="1219200" y="4876800"/>
+            <a:off x="1622965" y="4379922"/>
             <a:ext cx="381000" cy="304800"/>
           </a:xfrm>
           <a:prstGeom prst="downArrow">
@@ -4016,19 +4016,19 @@
           <a:lstStyle/>
           <a:p>
             <a:pPr algn="ctr"/>
-            <a:endParaRPr lang="en-US"/>
-          </a:p>
-        </p:txBody>
-      </p:sp>
-      <p:sp>
-        <p:nvSpPr>
-          <p:cNvPr id="37" name="Down Arrow 36"/>
+            <a:endParaRPr lang="en-US" sz="1400"/>
+          </a:p>
+        </p:txBody>
+      </p:sp>
+      <p:sp>
+        <p:nvSpPr>
+          <p:cNvPr id="138" name="Down Arrow 137"/>
           <p:cNvSpPr/>
           <p:nvPr/>
         </p:nvSpPr>
         <p:spPr>
           <a:xfrm rot="2700000">
-            <a:off x="4244435" y="4963147"/>
+            <a:off x="4215233" y="4341364"/>
             <a:ext cx="381000" cy="304800"/>
           </a:xfrm>
           <a:prstGeom prst="downArrow">
@@ -4054,19 +4054,19 @@
           <a:lstStyle/>
           <a:p>
             <a:pPr algn="ctr"/>
-            <a:endParaRPr lang="en-US"/>
-          </a:p>
-        </p:txBody>
-      </p:sp>
-      <p:sp>
-        <p:nvSpPr>
-          <p:cNvPr id="38" name="Down Arrow 37"/>
+            <a:endParaRPr lang="en-US" sz="1400"/>
+          </a:p>
+        </p:txBody>
+      </p:sp>
+      <p:sp>
+        <p:nvSpPr>
+          <p:cNvPr id="139" name="Down Arrow 138"/>
           <p:cNvSpPr/>
           <p:nvPr/>
         </p:nvSpPr>
         <p:spPr>
           <a:xfrm>
-            <a:off x="4572000" y="4011304"/>
+            <a:off x="4724400" y="3514426"/>
             <a:ext cx="381000" cy="304800"/>
           </a:xfrm>
           <a:prstGeom prst="downArrow">
@@ -4092,20 +4092,20 @@
           <a:lstStyle/>
           <a:p>
             <a:pPr algn="ctr"/>
-            <a:endParaRPr lang="en-US"/>
-          </a:p>
-        </p:txBody>
-      </p:sp>
-      <p:sp>
-        <p:nvSpPr>
-          <p:cNvPr id="42" name="Left Brace 41"/>
+            <a:endParaRPr lang="en-US" sz="1400"/>
+          </a:p>
+        </p:txBody>
+      </p:sp>
+      <p:sp>
+        <p:nvSpPr>
+          <p:cNvPr id="140" name="Left Brace 139"/>
           <p:cNvSpPr/>
           <p:nvPr/>
         </p:nvSpPr>
         <p:spPr>
           <a:xfrm>
-            <a:off x="305928" y="6248400"/>
-            <a:ext cx="381000" cy="1676400"/>
+            <a:off x="533400" y="5288280"/>
+            <a:ext cx="381000" cy="1417320"/>
           </a:xfrm>
           <a:prstGeom prst="leftBrace">
             <a:avLst>
@@ -4113,16 +4113,17 @@
               <a:gd name="adj2" fmla="val 49186"/>
             </a:avLst>
           </a:prstGeom>
+          <a:ln/>
         </p:spPr>
         <p:style>
-          <a:lnRef idx="1">
-            <a:schemeClr val="accent1"/>
+          <a:lnRef idx="2">
+            <a:schemeClr val="accent5"/>
           </a:lnRef>
           <a:fillRef idx="0">
-            <a:schemeClr val="accent1"/>
+            <a:schemeClr val="accent5"/>
           </a:fillRef>
-          <a:effectRef idx="0">
-            <a:schemeClr val="accent1"/>
+          <a:effectRef idx="1">
+            <a:schemeClr val="accent5"/>
           </a:effectRef>
           <a:fontRef idx="minor">
             <a:schemeClr val="tx1"/>
@@ -4133,20 +4134,20 @@
           <a:lstStyle/>
           <a:p>
             <a:pPr algn="ctr"/>
-            <a:endParaRPr lang="en-US"/>
-          </a:p>
-        </p:txBody>
-      </p:sp>
-      <p:sp>
-        <p:nvSpPr>
-          <p:cNvPr id="43" name="TextBox 42"/>
+            <a:endParaRPr lang="en-US" sz="1400"/>
+          </a:p>
+        </p:txBody>
+      </p:sp>
+      <p:sp>
+        <p:nvSpPr>
+          <p:cNvPr id="141" name="TextBox 140"/>
           <p:cNvSpPr txBox="1"/>
           <p:nvPr/>
         </p:nvSpPr>
         <p:spPr>
           <a:xfrm>
-            <a:off x="-75072" y="6659143"/>
-            <a:ext cx="461665" cy="854914"/>
+            <a:off x="77330" y="5653865"/>
+            <a:ext cx="400110" cy="686150"/>
           </a:xfrm>
           <a:prstGeom prst="rect">
             <a:avLst/>
@@ -4160,23 +4161,23 @@
           <a:lstStyle/>
           <a:p>
             <a:r>
-              <a:rPr lang="en-US" dirty="0" smtClean="0"/>
+              <a:rPr lang="en-US" sz="1400" dirty="0" smtClean="0"/>
               <a:t>Director</a:t>
             </a:r>
-            <a:endParaRPr lang="en-US" dirty="0"/>
-          </a:p>
-        </p:txBody>
-      </p:sp>
-      <p:sp>
-        <p:nvSpPr>
-          <p:cNvPr id="46" name="Left Brace 45"/>
+            <a:endParaRPr lang="en-US" sz="1400" dirty="0"/>
+          </a:p>
+        </p:txBody>
+      </p:sp>
+      <p:sp>
+        <p:nvSpPr>
+          <p:cNvPr id="142" name="Left Brace 141"/>
           <p:cNvSpPr/>
           <p:nvPr/>
         </p:nvSpPr>
         <p:spPr>
           <a:xfrm>
-            <a:off x="381000" y="119416"/>
-            <a:ext cx="381000" cy="2514600"/>
+            <a:off x="533400" y="135702"/>
+            <a:ext cx="381000" cy="2333177"/>
           </a:xfrm>
           <a:prstGeom prst="leftBrace">
             <a:avLst>
@@ -4184,16 +4185,17 @@
               <a:gd name="adj2" fmla="val 49186"/>
             </a:avLst>
           </a:prstGeom>
+          <a:ln/>
         </p:spPr>
         <p:style>
-          <a:lnRef idx="1">
-            <a:schemeClr val="accent1"/>
+          <a:lnRef idx="2">
+            <a:schemeClr val="accent5"/>
           </a:lnRef>
           <a:fillRef idx="0">
-            <a:schemeClr val="accent1"/>
+            <a:schemeClr val="accent5"/>
           </a:fillRef>
-          <a:effectRef idx="0">
-            <a:schemeClr val="accent1"/>
+          <a:effectRef idx="1">
+            <a:schemeClr val="accent5"/>
           </a:effectRef>
           <a:fontRef idx="minor">
             <a:schemeClr val="tx1"/>
@@ -4204,20 +4206,20 @@
           <a:lstStyle/>
           <a:p>
             <a:pPr algn="ctr"/>
-            <a:endParaRPr lang="en-US"/>
-          </a:p>
-        </p:txBody>
-      </p:sp>
-      <p:sp>
-        <p:nvSpPr>
-          <p:cNvPr id="47" name="TextBox 46"/>
+            <a:endParaRPr lang="en-US" sz="1400"/>
+          </a:p>
+        </p:txBody>
+      </p:sp>
+      <p:sp>
+        <p:nvSpPr>
+          <p:cNvPr id="143" name="TextBox 142"/>
           <p:cNvSpPr txBox="1"/>
           <p:nvPr/>
         </p:nvSpPr>
         <p:spPr>
           <a:xfrm>
-            <a:off x="-75072" y="939265"/>
-            <a:ext cx="461665" cy="874902"/>
+            <a:off x="77329" y="952197"/>
+            <a:ext cx="400110" cy="700189"/>
           </a:xfrm>
           <a:prstGeom prst="rect">
             <a:avLst/>
@@ -4231,23 +4233,23 @@
           <a:lstStyle/>
           <a:p>
             <a:r>
-              <a:rPr lang="en-US" dirty="0" smtClean="0"/>
+              <a:rPr lang="en-US" sz="1400" dirty="0" smtClean="0"/>
               <a:t>Director</a:t>
             </a:r>
-            <a:endParaRPr lang="en-US" dirty="0"/>
-          </a:p>
-        </p:txBody>
-      </p:sp>
-      <p:sp>
-        <p:nvSpPr>
-          <p:cNvPr id="49" name="TextBox 48"/>
+            <a:endParaRPr lang="en-US" sz="1400" dirty="0"/>
+          </a:p>
+        </p:txBody>
+      </p:sp>
+      <p:sp>
+        <p:nvSpPr>
+          <p:cNvPr id="144" name="TextBox 143"/>
           <p:cNvSpPr txBox="1"/>
           <p:nvPr/>
         </p:nvSpPr>
         <p:spPr>
           <a:xfrm>
-            <a:off x="-75072" y="3544953"/>
-            <a:ext cx="461665" cy="1903983"/>
+            <a:off x="77330" y="3090436"/>
+            <a:ext cx="400110" cy="1500091"/>
           </a:xfrm>
           <a:prstGeom prst="rect">
             <a:avLst/>
@@ -4261,10 +4263,10 @@
           <a:lstStyle/>
           <a:p>
             <a:r>
-              <a:rPr lang="en-US" dirty="0" smtClean="0"/>
+              <a:rPr lang="en-US" sz="1400" dirty="0" smtClean="0"/>
               <a:t>Amazon EC2 Nodes</a:t>
             </a:r>
-            <a:endParaRPr lang="en-US" dirty="0"/>
+            <a:endParaRPr lang="en-US" sz="1400" dirty="0"/>
           </a:p>
         </p:txBody>
       </p:sp>
@@ -4273,6 +4275,13 @@
   <p:clrMapOvr>
     <a:masterClrMapping/>
   </p:clrMapOvr>
+  <p:timing>
+    <p:tnLst>
+      <p:par>
+        <p:cTn id="1" dur="indefinite" restart="never" nodeType="tmRoot"/>
+      </p:par>
+    </p:tnLst>
+  </p:timing>
 </p:sld>
 </file>
 

--- a/doc/Architecture.pptx
+++ b/doc/Architecture.pptx
@@ -288,7 +288,7 @@
           <a:p>
             <a:fld id="{77F8369C-F31D-4A89-BED0-E840FF6F2FB1}" type="datetimeFigureOut">
               <a:rPr lang="en-US" smtClean="0"/>
-              <a:t>11/18/2010</a:t>
+              <a:t>12/3/2010</a:t>
             </a:fld>
             <a:endParaRPr lang="en-US"/>
           </a:p>
@@ -453,7 +453,7 @@
           <a:p>
             <a:fld id="{77F8369C-F31D-4A89-BED0-E840FF6F2FB1}" type="datetimeFigureOut">
               <a:rPr lang="en-US" smtClean="0"/>
-              <a:t>11/18/2010</a:t>
+              <a:t>12/3/2010</a:t>
             </a:fld>
             <a:endParaRPr lang="en-US"/>
           </a:p>
@@ -628,7 +628,7 @@
           <a:p>
             <a:fld id="{77F8369C-F31D-4A89-BED0-E840FF6F2FB1}" type="datetimeFigureOut">
               <a:rPr lang="en-US" smtClean="0"/>
-              <a:t>11/18/2010</a:t>
+              <a:t>12/3/2010</a:t>
             </a:fld>
             <a:endParaRPr lang="en-US"/>
           </a:p>
@@ -793,7 +793,7 @@
           <a:p>
             <a:fld id="{77F8369C-F31D-4A89-BED0-E840FF6F2FB1}" type="datetimeFigureOut">
               <a:rPr lang="en-US" smtClean="0"/>
-              <a:t>11/18/2010</a:t>
+              <a:t>12/3/2010</a:t>
             </a:fld>
             <a:endParaRPr lang="en-US"/>
           </a:p>
@@ -1034,7 +1034,7 @@
           <a:p>
             <a:fld id="{77F8369C-F31D-4A89-BED0-E840FF6F2FB1}" type="datetimeFigureOut">
               <a:rPr lang="en-US" smtClean="0"/>
-              <a:t>11/18/2010</a:t>
+              <a:t>12/3/2010</a:t>
             </a:fld>
             <a:endParaRPr lang="en-US"/>
           </a:p>
@@ -1317,7 +1317,7 @@
           <a:p>
             <a:fld id="{77F8369C-F31D-4A89-BED0-E840FF6F2FB1}" type="datetimeFigureOut">
               <a:rPr lang="en-US" smtClean="0"/>
-              <a:t>11/18/2010</a:t>
+              <a:t>12/3/2010</a:t>
             </a:fld>
             <a:endParaRPr lang="en-US"/>
           </a:p>
@@ -1734,7 +1734,7 @@
           <a:p>
             <a:fld id="{77F8369C-F31D-4A89-BED0-E840FF6F2FB1}" type="datetimeFigureOut">
               <a:rPr lang="en-US" smtClean="0"/>
-              <a:t>11/18/2010</a:t>
+              <a:t>12/3/2010</a:t>
             </a:fld>
             <a:endParaRPr lang="en-US"/>
           </a:p>
@@ -1847,7 +1847,7 @@
           <a:p>
             <a:fld id="{77F8369C-F31D-4A89-BED0-E840FF6F2FB1}" type="datetimeFigureOut">
               <a:rPr lang="en-US" smtClean="0"/>
-              <a:t>11/18/2010</a:t>
+              <a:t>12/3/2010</a:t>
             </a:fld>
             <a:endParaRPr lang="en-US"/>
           </a:p>
@@ -1937,7 +1937,7 @@
           <a:p>
             <a:fld id="{77F8369C-F31D-4A89-BED0-E840FF6F2FB1}" type="datetimeFigureOut">
               <a:rPr lang="en-US" smtClean="0"/>
-              <a:t>11/18/2010</a:t>
+              <a:t>12/3/2010</a:t>
             </a:fld>
             <a:endParaRPr lang="en-US"/>
           </a:p>
@@ -2209,7 +2209,7 @@
           <a:p>
             <a:fld id="{77F8369C-F31D-4A89-BED0-E840FF6F2FB1}" type="datetimeFigureOut">
               <a:rPr lang="en-US" smtClean="0"/>
-              <a:t>11/18/2010</a:t>
+              <a:t>12/3/2010</a:t>
             </a:fld>
             <a:endParaRPr lang="en-US"/>
           </a:p>
@@ -2457,7 +2457,7 @@
           <a:p>
             <a:fld id="{77F8369C-F31D-4A89-BED0-E840FF6F2FB1}" type="datetimeFigureOut">
               <a:rPr lang="en-US" smtClean="0"/>
-              <a:t>11/18/2010</a:t>
+              <a:t>12/3/2010</a:t>
             </a:fld>
             <a:endParaRPr lang="en-US"/>
           </a:p>
@@ -2665,7 +2665,7 @@
           <a:p>
             <a:fld id="{77F8369C-F31D-4A89-BED0-E840FF6F2FB1}" type="datetimeFigureOut">
               <a:rPr lang="en-US" smtClean="0"/>
-              <a:t>11/18/2010</a:t>
+              <a:t>12/3/2010</a:t>
             </a:fld>
             <a:endParaRPr lang="en-US"/>
           </a:p>
@@ -3043,7 +3043,7 @@
         </p:nvSpPr>
         <p:spPr>
           <a:xfrm>
-            <a:off x="533400" y="2545081"/>
+            <a:off x="456071" y="2545081"/>
             <a:ext cx="5257800" cy="2590800"/>
           </a:xfrm>
           <a:prstGeom prst="rect">
@@ -3081,7 +3081,7 @@
         </p:nvSpPr>
         <p:spPr>
           <a:xfrm>
-            <a:off x="1952625" y="135703"/>
+            <a:off x="1875296" y="135703"/>
             <a:ext cx="2286000" cy="274320"/>
           </a:xfrm>
           <a:prstGeom prst="roundRect">
@@ -3123,7 +3123,7 @@
         </p:nvSpPr>
         <p:spPr>
           <a:xfrm>
-            <a:off x="1943100" y="6431280"/>
+            <a:off x="1865771" y="6431280"/>
             <a:ext cx="2286000" cy="274320"/>
           </a:xfrm>
           <a:prstGeom prst="roundRect">
@@ -3165,7 +3165,7 @@
         </p:nvSpPr>
         <p:spPr>
           <a:xfrm>
-            <a:off x="1952625" y="953149"/>
+            <a:off x="1875296" y="953149"/>
             <a:ext cx="2286000" cy="274320"/>
           </a:xfrm>
           <a:prstGeom prst="roundRect">
@@ -3207,7 +3207,7 @@
         </p:nvSpPr>
         <p:spPr>
           <a:xfrm>
-            <a:off x="1952625" y="1770595"/>
+            <a:off x="1875296" y="1770595"/>
             <a:ext cx="2286000" cy="274320"/>
           </a:xfrm>
           <a:prstGeom prst="roundRect">
@@ -3249,7 +3249,7 @@
         </p:nvSpPr>
         <p:spPr>
           <a:xfrm>
-            <a:off x="1943100" y="5679440"/>
+            <a:off x="1865771" y="5679440"/>
             <a:ext cx="2286000" cy="274320"/>
           </a:xfrm>
           <a:prstGeom prst="roundRect">
@@ -3277,7 +3277,7 @@
             <a:pPr algn="ctr"/>
             <a:r>
               <a:rPr lang="en-US" sz="1400" dirty="0" smtClean="0"/>
-              <a:t>Combiner</a:t>
+              <a:t>Merge Results</a:t>
             </a:r>
             <a:endParaRPr lang="en-US" sz="1400" dirty="0"/>
           </a:p>
@@ -3291,7 +3291,7 @@
         </p:nvSpPr>
         <p:spPr>
           <a:xfrm>
-            <a:off x="1943100" y="4760922"/>
+            <a:off x="1865771" y="4760922"/>
             <a:ext cx="2286000" cy="274320"/>
           </a:xfrm>
           <a:prstGeom prst="roundRect">
@@ -3333,7 +3333,7 @@
         </p:nvSpPr>
         <p:spPr>
           <a:xfrm>
-            <a:off x="4114800" y="2627322"/>
+            <a:off x="4037471" y="2627322"/>
             <a:ext cx="1447800" cy="762000"/>
           </a:xfrm>
           <a:prstGeom prst="flowChartMagneticDisk">
@@ -3382,7 +3382,7 @@
         </p:nvSpPr>
         <p:spPr>
           <a:xfrm>
-            <a:off x="3810000" y="3922721"/>
+            <a:off x="3732671" y="3922721"/>
             <a:ext cx="1828800" cy="274320"/>
           </a:xfrm>
           <a:prstGeom prst="roundRect">
@@ -3424,7 +3424,7 @@
         </p:nvSpPr>
         <p:spPr>
           <a:xfrm>
-            <a:off x="685800" y="3717897"/>
+            <a:off x="608471" y="3717897"/>
             <a:ext cx="1219200" cy="533400"/>
           </a:xfrm>
           <a:prstGeom prst="flowChartMagneticDisk">
@@ -3466,7 +3466,7 @@
         </p:nvSpPr>
         <p:spPr>
           <a:xfrm>
-            <a:off x="2943225" y="529186"/>
+            <a:off x="2865896" y="529186"/>
             <a:ext cx="381000" cy="304800"/>
           </a:xfrm>
           <a:prstGeom prst="downArrow">
@@ -3504,7 +3504,7 @@
         </p:nvSpPr>
         <p:spPr>
           <a:xfrm>
-            <a:off x="2943225" y="1346632"/>
+            <a:off x="2865896" y="1346632"/>
             <a:ext cx="381000" cy="304800"/>
           </a:xfrm>
           <a:prstGeom prst="downArrow">
@@ -3542,7 +3542,7 @@
         </p:nvGrpSpPr>
         <p:grpSpPr>
           <a:xfrm>
-            <a:off x="1952625" y="2164080"/>
+            <a:off x="1875296" y="2164080"/>
             <a:ext cx="2362200" cy="304800"/>
             <a:chOff x="1905000" y="2514600"/>
             <a:chExt cx="2362200" cy="304800"/>
@@ -3747,7 +3747,7 @@
         </p:nvGrpSpPr>
         <p:grpSpPr>
           <a:xfrm>
-            <a:off x="1943100" y="5288280"/>
+            <a:off x="1865771" y="5288280"/>
             <a:ext cx="2362200" cy="304800"/>
             <a:chOff x="1752600" y="6248400"/>
             <a:chExt cx="2362200" cy="304800"/>
@@ -3952,7 +3952,7 @@
         </p:nvSpPr>
         <p:spPr>
           <a:xfrm>
-            <a:off x="2933700" y="6040120"/>
+            <a:off x="2856371" y="6040120"/>
             <a:ext cx="381000" cy="304800"/>
           </a:xfrm>
           <a:prstGeom prst="downArrow">
@@ -3990,7 +3990,7 @@
         </p:nvSpPr>
         <p:spPr>
           <a:xfrm rot="19231485">
-            <a:off x="1622965" y="4379922"/>
+            <a:off x="1545636" y="4379922"/>
             <a:ext cx="381000" cy="304800"/>
           </a:xfrm>
           <a:prstGeom prst="downArrow">
@@ -4028,7 +4028,7 @@
         </p:nvSpPr>
         <p:spPr>
           <a:xfrm rot="2700000">
-            <a:off x="4215233" y="4341364"/>
+            <a:off x="4137904" y="4341364"/>
             <a:ext cx="381000" cy="304800"/>
           </a:xfrm>
           <a:prstGeom prst="downArrow">
@@ -4066,7 +4066,7 @@
         </p:nvSpPr>
         <p:spPr>
           <a:xfrm>
-            <a:off x="4724400" y="3514426"/>
+            <a:off x="4647071" y="3514426"/>
             <a:ext cx="381000" cy="304800"/>
           </a:xfrm>
           <a:prstGeom prst="downArrow">
@@ -4104,7 +4104,7 @@
         </p:nvSpPr>
         <p:spPr>
           <a:xfrm>
-            <a:off x="533400" y="5288280"/>
+            <a:off x="456071" y="5288280"/>
             <a:ext cx="381000" cy="1417320"/>
           </a:xfrm>
           <a:prstGeom prst="leftBrace">
@@ -4146,7 +4146,7 @@
         </p:nvSpPr>
         <p:spPr>
           <a:xfrm>
-            <a:off x="77330" y="5653865"/>
+            <a:off x="1" y="5653865"/>
             <a:ext cx="400110" cy="686150"/>
           </a:xfrm>
           <a:prstGeom prst="rect">
@@ -4176,7 +4176,7 @@
         </p:nvSpPr>
         <p:spPr>
           <a:xfrm>
-            <a:off x="533400" y="135702"/>
+            <a:off x="456071" y="135702"/>
             <a:ext cx="381000" cy="2333177"/>
           </a:xfrm>
           <a:prstGeom prst="leftBrace">
@@ -4218,7 +4218,7 @@
         </p:nvSpPr>
         <p:spPr>
           <a:xfrm>
-            <a:off x="77329" y="952197"/>
+            <a:off x="0" y="952197"/>
             <a:ext cx="400110" cy="700189"/>
           </a:xfrm>
           <a:prstGeom prst="rect">
@@ -4248,8 +4248,8 @@
         </p:nvSpPr>
         <p:spPr>
           <a:xfrm>
-            <a:off x="77330" y="3090436"/>
-            <a:ext cx="400110" cy="1500091"/>
+            <a:off x="1" y="2548482"/>
+            <a:ext cx="400110" cy="2556918"/>
           </a:xfrm>
           <a:prstGeom prst="rect">
             <a:avLst/>
@@ -4263,8 +4263,20 @@
           <a:lstStyle/>
           <a:p>
             <a:r>
+              <a:rPr lang="en-US" sz="1400" dirty="0"/>
+              <a:t>Index </a:t>
+            </a:r>
+            <a:r>
               <a:rPr lang="en-US" sz="1400" dirty="0" smtClean="0"/>
-              <a:t>Amazon EC2 Nodes</a:t>
+              <a:t>Server (Amazon </a:t>
+            </a:r>
+            <a:r>
+              <a:rPr lang="en-US" sz="1400" dirty="0" smtClean="0"/>
+              <a:t>EC2 </a:t>
+            </a:r>
+            <a:r>
+              <a:rPr lang="en-US" sz="1400" dirty="0" smtClean="0"/>
+              <a:t>Nodes)</a:t>
             </a:r>
             <a:endParaRPr lang="en-US" sz="1400" dirty="0"/>
           </a:p>

--- a/doc/Architecture.pptx
+++ b/doc/Architecture.pptx
@@ -6,6 +6,8 @@
   </p:sldMasterIdLst>
   <p:sldIdLst>
     <p:sldId id="256" r:id="rId2"/>
+    <p:sldId id="257" r:id="rId3"/>
+    <p:sldId id="258" r:id="rId4"/>
   </p:sldIdLst>
   <p:sldSz cx="5943600" cy="6858000"/>
   <p:notesSz cx="6858000" cy="9144000"/>
@@ -288,7 +290,7 @@
           <a:p>
             <a:fld id="{77F8369C-F31D-4A89-BED0-E840FF6F2FB1}" type="datetimeFigureOut">
               <a:rPr lang="en-US" smtClean="0"/>
-              <a:t>12/3/2010</a:t>
+              <a:t>12/5/2010</a:t>
             </a:fld>
             <a:endParaRPr lang="en-US"/>
           </a:p>
@@ -453,7 +455,7 @@
           <a:p>
             <a:fld id="{77F8369C-F31D-4A89-BED0-E840FF6F2FB1}" type="datetimeFigureOut">
               <a:rPr lang="en-US" smtClean="0"/>
-              <a:t>12/3/2010</a:t>
+              <a:t>12/5/2010</a:t>
             </a:fld>
             <a:endParaRPr lang="en-US"/>
           </a:p>
@@ -628,7 +630,7 @@
           <a:p>
             <a:fld id="{77F8369C-F31D-4A89-BED0-E840FF6F2FB1}" type="datetimeFigureOut">
               <a:rPr lang="en-US" smtClean="0"/>
-              <a:t>12/3/2010</a:t>
+              <a:t>12/5/2010</a:t>
             </a:fld>
             <a:endParaRPr lang="en-US"/>
           </a:p>
@@ -793,7 +795,7 @@
           <a:p>
             <a:fld id="{77F8369C-F31D-4A89-BED0-E840FF6F2FB1}" type="datetimeFigureOut">
               <a:rPr lang="en-US" smtClean="0"/>
-              <a:t>12/3/2010</a:t>
+              <a:t>12/5/2010</a:t>
             </a:fld>
             <a:endParaRPr lang="en-US"/>
           </a:p>
@@ -1034,7 +1036,7 @@
           <a:p>
             <a:fld id="{77F8369C-F31D-4A89-BED0-E840FF6F2FB1}" type="datetimeFigureOut">
               <a:rPr lang="en-US" smtClean="0"/>
-              <a:t>12/3/2010</a:t>
+              <a:t>12/5/2010</a:t>
             </a:fld>
             <a:endParaRPr lang="en-US"/>
           </a:p>
@@ -1317,7 +1319,7 @@
           <a:p>
             <a:fld id="{77F8369C-F31D-4A89-BED0-E840FF6F2FB1}" type="datetimeFigureOut">
               <a:rPr lang="en-US" smtClean="0"/>
-              <a:t>12/3/2010</a:t>
+              <a:t>12/5/2010</a:t>
             </a:fld>
             <a:endParaRPr lang="en-US"/>
           </a:p>
@@ -1734,7 +1736,7 @@
           <a:p>
             <a:fld id="{77F8369C-F31D-4A89-BED0-E840FF6F2FB1}" type="datetimeFigureOut">
               <a:rPr lang="en-US" smtClean="0"/>
-              <a:t>12/3/2010</a:t>
+              <a:t>12/5/2010</a:t>
             </a:fld>
             <a:endParaRPr lang="en-US"/>
           </a:p>
@@ -1847,7 +1849,7 @@
           <a:p>
             <a:fld id="{77F8369C-F31D-4A89-BED0-E840FF6F2FB1}" type="datetimeFigureOut">
               <a:rPr lang="en-US" smtClean="0"/>
-              <a:t>12/3/2010</a:t>
+              <a:t>12/5/2010</a:t>
             </a:fld>
             <a:endParaRPr lang="en-US"/>
           </a:p>
@@ -1937,7 +1939,7 @@
           <a:p>
             <a:fld id="{77F8369C-F31D-4A89-BED0-E840FF6F2FB1}" type="datetimeFigureOut">
               <a:rPr lang="en-US" smtClean="0"/>
-              <a:t>12/3/2010</a:t>
+              <a:t>12/5/2010</a:t>
             </a:fld>
             <a:endParaRPr lang="en-US"/>
           </a:p>
@@ -2209,7 +2211,7 @@
           <a:p>
             <a:fld id="{77F8369C-F31D-4A89-BED0-E840FF6F2FB1}" type="datetimeFigureOut">
               <a:rPr lang="en-US" smtClean="0"/>
-              <a:t>12/3/2010</a:t>
+              <a:t>12/5/2010</a:t>
             </a:fld>
             <a:endParaRPr lang="en-US"/>
           </a:p>
@@ -2457,7 +2459,7 @@
           <a:p>
             <a:fld id="{77F8369C-F31D-4A89-BED0-E840FF6F2FB1}" type="datetimeFigureOut">
               <a:rPr lang="en-US" smtClean="0"/>
-              <a:t>12/3/2010</a:t>
+              <a:t>12/5/2010</a:t>
             </a:fld>
             <a:endParaRPr lang="en-US"/>
           </a:p>
@@ -2665,7 +2667,7 @@
           <a:p>
             <a:fld id="{77F8369C-F31D-4A89-BED0-E840FF6F2FB1}" type="datetimeFigureOut">
               <a:rPr lang="en-US" smtClean="0"/>
-              <a:t>12/3/2010</a:t>
+              <a:t>12/5/2010</a:t>
             </a:fld>
             <a:endParaRPr lang="en-US"/>
           </a:p>
@@ -4268,21 +4270,147 @@
             </a:r>
             <a:r>
               <a:rPr lang="en-US" sz="1400" dirty="0" smtClean="0"/>
-              <a:t>Server (Amazon </a:t>
-            </a:r>
-            <a:r>
-              <a:rPr lang="en-US" sz="1400" dirty="0" smtClean="0"/>
-              <a:t>EC2 </a:t>
-            </a:r>
-            <a:r>
-              <a:rPr lang="en-US" sz="1400" dirty="0" smtClean="0"/>
-              <a:t>Nodes)</a:t>
+              <a:t>Server (Amazon EC2 Nodes)</a:t>
             </a:r>
             <a:endParaRPr lang="en-US" sz="1400" dirty="0"/>
           </a:p>
         </p:txBody>
       </p:sp>
     </p:spTree>
+  </p:cSld>
+  <p:clrMapOvr>
+    <a:masterClrMapping/>
+  </p:clrMapOvr>
+  <p:timing>
+    <p:tnLst>
+      <p:par>
+        <p:cTn id="1" dur="indefinite" restart="never" nodeType="tmRoot"/>
+      </p:par>
+    </p:tnLst>
+  </p:timing>
+</p:sld>
+</file>
+
+<file path=ppt/slides/slide2.xml><?xml version="1.0" encoding="utf-8"?>
+<p:sld xmlns:a="http://schemas.openxmlformats.org/drawingml/2006/main" xmlns:r="http://schemas.openxmlformats.org/officeDocument/2006/relationships" xmlns:p="http://schemas.openxmlformats.org/presentationml/2006/main">
+  <p:cSld>
+    <p:spTree>
+      <p:nvGrpSpPr>
+        <p:cNvPr id="1" name=""/>
+        <p:cNvGrpSpPr/>
+        <p:nvPr/>
+      </p:nvGrpSpPr>
+      <p:grpSpPr>
+        <a:xfrm>
+          <a:off x="0" y="0"/>
+          <a:ext cx="0" cy="0"/>
+          <a:chOff x="0" y="0"/>
+          <a:chExt cx="0" cy="0"/>
+        </a:xfrm>
+      </p:grpSpPr>
+      <p:pic>
+        <p:nvPicPr>
+          <p:cNvPr id="2" name="Picture 1"/>
+          <p:cNvPicPr>
+            <a:picLocks noChangeAspect="1"/>
+          </p:cNvPicPr>
+          <p:nvPr/>
+        </p:nvPicPr>
+        <p:blipFill>
+          <a:blip r:embed="rId2">
+            <a:extLst>
+              <a:ext uri="{28A0092B-C50C-407E-A947-70E740481C1C}">
+                <a14:useLocalDpi xmlns:a14="http://schemas.microsoft.com/office/drawing/2010/main" val="0"/>
+              </a:ext>
+            </a:extLst>
+          </a:blip>
+          <a:stretch>
+            <a:fillRect/>
+          </a:stretch>
+        </p:blipFill>
+        <p:spPr>
+          <a:xfrm>
+            <a:off x="700087" y="38100"/>
+            <a:ext cx="4543425" cy="2247900"/>
+          </a:xfrm>
+          <a:prstGeom prst="rect">
+            <a:avLst/>
+          </a:prstGeom>
+        </p:spPr>
+      </p:pic>
+    </p:spTree>
+    <p:extLst>
+      <p:ext uri="{BB962C8B-B14F-4D97-AF65-F5344CB8AC3E}">
+        <p14:creationId xmlns:p14="http://schemas.microsoft.com/office/powerpoint/2010/main" val="3862611531"/>
+      </p:ext>
+    </p:extLst>
+  </p:cSld>
+  <p:clrMapOvr>
+    <a:masterClrMapping/>
+  </p:clrMapOvr>
+  <p:timing>
+    <p:tnLst>
+      <p:par>
+        <p:cTn id="1" dur="indefinite" restart="never" nodeType="tmRoot"/>
+      </p:par>
+    </p:tnLst>
+  </p:timing>
+</p:sld>
+</file>
+
+<file path=ppt/slides/slide3.xml><?xml version="1.0" encoding="utf-8"?>
+<p:sld xmlns:a="http://schemas.openxmlformats.org/drawingml/2006/main" xmlns:r="http://schemas.openxmlformats.org/officeDocument/2006/relationships" xmlns:p="http://schemas.openxmlformats.org/presentationml/2006/main">
+  <p:cSld>
+    <p:spTree>
+      <p:nvGrpSpPr>
+        <p:cNvPr id="1" name=""/>
+        <p:cNvGrpSpPr/>
+        <p:nvPr/>
+      </p:nvGrpSpPr>
+      <p:grpSpPr>
+        <a:xfrm>
+          <a:off x="0" y="0"/>
+          <a:ext cx="0" cy="0"/>
+          <a:chOff x="0" y="0"/>
+          <a:chExt cx="0" cy="0"/>
+        </a:xfrm>
+      </p:grpSpPr>
+      <p:pic>
+        <p:nvPicPr>
+          <p:cNvPr id="2" name="Picture 1"/>
+          <p:cNvPicPr>
+            <a:picLocks noChangeAspect="1"/>
+          </p:cNvPicPr>
+          <p:nvPr/>
+        </p:nvPicPr>
+        <p:blipFill>
+          <a:blip r:embed="rId2">
+            <a:extLst>
+              <a:ext uri="{28A0092B-C50C-407E-A947-70E740481C1C}">
+                <a14:useLocalDpi xmlns:a14="http://schemas.microsoft.com/office/drawing/2010/main" val="0"/>
+              </a:ext>
+            </a:extLst>
+          </a:blip>
+          <a:stretch>
+            <a:fillRect/>
+          </a:stretch>
+        </p:blipFill>
+        <p:spPr>
+          <a:xfrm>
+            <a:off x="0" y="0"/>
+            <a:ext cx="5943600" cy="5240594"/>
+          </a:xfrm>
+          <a:prstGeom prst="rect">
+            <a:avLst/>
+          </a:prstGeom>
+        </p:spPr>
+      </p:pic>
+    </p:spTree>
+    <p:extLst>
+      <p:ext uri="{BB962C8B-B14F-4D97-AF65-F5344CB8AC3E}">
+        <p14:creationId xmlns:p14="http://schemas.microsoft.com/office/powerpoint/2010/main" val="620561609"/>
+      </p:ext>
+    </p:extLst>
   </p:cSld>
   <p:clrMapOvr>
     <a:masterClrMapping/>
